--- a/PPT/Core/1Basic/2HTML5.pptx
+++ b/PPT/Core/1Basic/2HTML5.pptx
@@ -146,7 +146,7 @@
   </p:defaultTextStyle>
   <p:extLst>
     <p:ext uri="{EFAFB233-063F-42B5-8137-9DF3F51BA10A}">
-      <p15:sldGuideLst xmlns:p15="http://schemas.microsoft.com/office/powerpoint/2012/main" xmlns="">
+      <p15:sldGuideLst xmlns="" xmlns:p15="http://schemas.microsoft.com/office/powerpoint/2012/main">
         <p15:guide id="1" orient="horz" pos="2160">
           <p15:clr>
             <a:srgbClr val="A4A3A4"/>
@@ -275,7 +275,7 @@
             <a:fld id="{7FCC5AE5-E495-4913-B643-A95A6AFABB00}" type="datetimeFigureOut">
               <a:rPr kumimoji="1" lang="ja-JP" altLang="en-US" smtClean="0"/>
               <a:pPr/>
-              <a:t>2022/7/23</a:t>
+              <a:t>2022/8/25</a:t>
             </a:fld>
             <a:endParaRPr kumimoji="1" lang="ja-JP" altLang="en-US"/>
           </a:p>
@@ -503,7 +503,7 @@
             <a:fld id="{7FCC5AE5-E495-4913-B643-A95A6AFABB00}" type="datetimeFigureOut">
               <a:rPr kumimoji="1" lang="ja-JP" altLang="en-US" smtClean="0"/>
               <a:pPr/>
-              <a:t>2022/7/23</a:t>
+              <a:t>2022/8/25</a:t>
             </a:fld>
             <a:endParaRPr kumimoji="1" lang="ja-JP" altLang="en-US"/>
           </a:p>
@@ -680,7 +680,7 @@
             <a:fld id="{7FCC5AE5-E495-4913-B643-A95A6AFABB00}" type="datetimeFigureOut">
               <a:rPr kumimoji="1" lang="ja-JP" altLang="en-US" smtClean="0"/>
               <a:pPr/>
-              <a:t>2022/7/23</a:t>
+              <a:t>2022/8/25</a:t>
             </a:fld>
             <a:endParaRPr kumimoji="1" lang="ja-JP" altLang="en-US"/>
           </a:p>
@@ -847,7 +847,7 @@
             <a:fld id="{7FCC5AE5-E495-4913-B643-A95A6AFABB00}" type="datetimeFigureOut">
               <a:rPr kumimoji="1" lang="ja-JP" altLang="en-US" smtClean="0"/>
               <a:pPr/>
-              <a:t>2022/7/23</a:t>
+              <a:t>2022/8/25</a:t>
             </a:fld>
             <a:endParaRPr kumimoji="1" lang="ja-JP" altLang="en-US"/>
           </a:p>
@@ -1088,7 +1088,7 @@
             <a:fld id="{7FCC5AE5-E495-4913-B643-A95A6AFABB00}" type="datetimeFigureOut">
               <a:rPr kumimoji="1" lang="ja-JP" altLang="en-US" smtClean="0"/>
               <a:pPr/>
-              <a:t>2022/7/23</a:t>
+              <a:t>2022/8/25</a:t>
             </a:fld>
             <a:endParaRPr kumimoji="1" lang="ja-JP" altLang="en-US"/>
           </a:p>
@@ -1354,7 +1354,7 @@
             <a:fld id="{7FCC5AE5-E495-4913-B643-A95A6AFABB00}" type="datetimeFigureOut">
               <a:rPr kumimoji="1" lang="ja-JP" altLang="en-US" smtClean="0"/>
               <a:pPr/>
-              <a:t>2022/7/23</a:t>
+              <a:t>2022/8/25</a:t>
             </a:fld>
             <a:endParaRPr kumimoji="1" lang="ja-JP" altLang="en-US"/>
           </a:p>
@@ -1730,7 +1730,7 @@
             <a:fld id="{7FCC5AE5-E495-4913-B643-A95A6AFABB00}" type="datetimeFigureOut">
               <a:rPr kumimoji="1" lang="ja-JP" altLang="en-US" smtClean="0"/>
               <a:pPr/>
-              <a:t>2022/7/23</a:t>
+              <a:t>2022/8/25</a:t>
             </a:fld>
             <a:endParaRPr kumimoji="1" lang="ja-JP" altLang="en-US"/>
           </a:p>
@@ -1845,7 +1845,7 @@
             <a:fld id="{7FCC5AE5-E495-4913-B643-A95A6AFABB00}" type="datetimeFigureOut">
               <a:rPr kumimoji="1" lang="ja-JP" altLang="en-US" smtClean="0"/>
               <a:pPr/>
-              <a:t>2022/7/23</a:t>
+              <a:t>2022/8/25</a:t>
             </a:fld>
             <a:endParaRPr kumimoji="1" lang="ja-JP" altLang="en-US"/>
           </a:p>
@@ -1937,7 +1937,7 @@
             <a:fld id="{7FCC5AE5-E495-4913-B643-A95A6AFABB00}" type="datetimeFigureOut">
               <a:rPr kumimoji="1" lang="ja-JP" altLang="en-US" smtClean="0"/>
               <a:pPr/>
-              <a:t>2022/7/23</a:t>
+              <a:t>2022/8/25</a:t>
             </a:fld>
             <a:endParaRPr kumimoji="1" lang="ja-JP" altLang="en-US"/>
           </a:p>
@@ -2197,7 +2197,7 @@
             <a:fld id="{7FCC5AE5-E495-4913-B643-A95A6AFABB00}" type="datetimeFigureOut">
               <a:rPr kumimoji="1" lang="ja-JP" altLang="en-US" smtClean="0"/>
               <a:pPr/>
-              <a:t>2022/7/23</a:t>
+              <a:t>2022/8/25</a:t>
             </a:fld>
             <a:endParaRPr kumimoji="1" lang="ja-JP" altLang="en-US"/>
           </a:p>
@@ -2463,7 +2463,7 @@
             <a:fld id="{7FCC5AE5-E495-4913-B643-A95A6AFABB00}" type="datetimeFigureOut">
               <a:rPr kumimoji="1" lang="ja-JP" altLang="en-US" smtClean="0"/>
               <a:pPr/>
-              <a:t>2022/7/23</a:t>
+              <a:t>2022/8/25</a:t>
             </a:fld>
             <a:endParaRPr kumimoji="1" lang="ja-JP" altLang="en-US"/>
           </a:p>
@@ -2682,7 +2682,7 @@
             <a:fld id="{7FCC5AE5-E495-4913-B643-A95A6AFABB00}" type="datetimeFigureOut">
               <a:rPr kumimoji="1" lang="ja-JP" altLang="en-US" smtClean="0"/>
               <a:pPr/>
-              <a:t>2022/7/23</a:t>
+              <a:t>2022/8/25</a:t>
             </a:fld>
             <a:endParaRPr kumimoji="1" lang="ja-JP" altLang="en-US"/>
           </a:p>
@@ -3236,7 +3236,7 @@
     </p:spTree>
     <p:extLst>
       <p:ext uri="{BB962C8B-B14F-4D97-AF65-F5344CB8AC3E}">
-        <p14:creationId xmlns:p14="http://schemas.microsoft.com/office/powerpoint/2010/main" xmlns="" val="4062787881"/>
+        <p14:creationId xmlns="" xmlns:p14="http://schemas.microsoft.com/office/powerpoint/2010/main" val="4062787881"/>
       </p:ext>
     </p:extLst>
   </p:cSld>
@@ -3591,7 +3591,7 @@
     </p:spTree>
     <p:extLst>
       <p:ext uri="{BB962C8B-B14F-4D97-AF65-F5344CB8AC3E}">
-        <p14:creationId xmlns:p14="http://schemas.microsoft.com/office/powerpoint/2010/main" xmlns="" val="1328577666"/>
+        <p14:creationId xmlns="" xmlns:p14="http://schemas.microsoft.com/office/powerpoint/2010/main" val="1328577666"/>
       </p:ext>
     </p:extLst>
   </p:cSld>
@@ -3888,7 +3888,7 @@
     </p:spTree>
     <p:extLst>
       <p:ext uri="{BB962C8B-B14F-4D97-AF65-F5344CB8AC3E}">
-        <p14:creationId xmlns:p14="http://schemas.microsoft.com/office/powerpoint/2010/main" xmlns="" val="1328577666"/>
+        <p14:creationId xmlns="" xmlns:p14="http://schemas.microsoft.com/office/powerpoint/2010/main" val="1328577666"/>
       </p:ext>
     </p:extLst>
   </p:cSld>
@@ -4231,7 +4231,7 @@
     </p:spTree>
     <p:extLst>
       <p:ext uri="{BB962C8B-B14F-4D97-AF65-F5344CB8AC3E}">
-        <p14:creationId xmlns:p14="http://schemas.microsoft.com/office/powerpoint/2010/main" xmlns="" val="1328577666"/>
+        <p14:creationId xmlns="" xmlns:p14="http://schemas.microsoft.com/office/powerpoint/2010/main" val="1328577666"/>
       </p:ext>
     </p:extLst>
   </p:cSld>
@@ -4614,7 +4614,7 @@
     </p:spTree>
     <p:extLst>
       <p:ext uri="{BB962C8B-B14F-4D97-AF65-F5344CB8AC3E}">
-        <p14:creationId xmlns:p14="http://schemas.microsoft.com/office/powerpoint/2010/main" xmlns="" val="1328577666"/>
+        <p14:creationId xmlns="" xmlns:p14="http://schemas.microsoft.com/office/powerpoint/2010/main" val="1328577666"/>
       </p:ext>
     </p:extLst>
   </p:cSld>
@@ -5033,7 +5033,7 @@
     </p:spTree>
     <p:extLst>
       <p:ext uri="{BB962C8B-B14F-4D97-AF65-F5344CB8AC3E}">
-        <p14:creationId xmlns:p14="http://schemas.microsoft.com/office/powerpoint/2010/main" xmlns="" val="1328577666"/>
+        <p14:creationId xmlns="" xmlns:p14="http://schemas.microsoft.com/office/powerpoint/2010/main" val="1328577666"/>
       </p:ext>
     </p:extLst>
   </p:cSld>
@@ -5492,7 +5492,7 @@
     </p:spTree>
     <p:extLst>
       <p:ext uri="{BB962C8B-B14F-4D97-AF65-F5344CB8AC3E}">
-        <p14:creationId xmlns:p14="http://schemas.microsoft.com/office/powerpoint/2010/main" xmlns="" val="1328577666"/>
+        <p14:creationId xmlns="" xmlns:p14="http://schemas.microsoft.com/office/powerpoint/2010/main" val="1328577666"/>
       </p:ext>
     </p:extLst>
   </p:cSld>
@@ -6421,7 +6421,7 @@
     </p:spTree>
     <p:extLst>
       <p:ext uri="{BB962C8B-B14F-4D97-AF65-F5344CB8AC3E}">
-        <p14:creationId xmlns:p14="http://schemas.microsoft.com/office/powerpoint/2010/main" xmlns="" val="1328577666"/>
+        <p14:creationId xmlns="" xmlns:p14="http://schemas.microsoft.com/office/powerpoint/2010/main" val="1328577666"/>
       </p:ext>
     </p:extLst>
   </p:cSld>
@@ -6768,7 +6768,7 @@
     </p:spTree>
     <p:extLst>
       <p:ext uri="{BB962C8B-B14F-4D97-AF65-F5344CB8AC3E}">
-        <p14:creationId xmlns:p14="http://schemas.microsoft.com/office/powerpoint/2010/main" xmlns="" val="1328577666"/>
+        <p14:creationId xmlns="" xmlns:p14="http://schemas.microsoft.com/office/powerpoint/2010/main" val="1328577666"/>
       </p:ext>
     </p:extLst>
   </p:cSld>
@@ -7573,7 +7573,7 @@
     </p:spTree>
     <p:extLst>
       <p:ext uri="{BB962C8B-B14F-4D97-AF65-F5344CB8AC3E}">
-        <p14:creationId xmlns:p14="http://schemas.microsoft.com/office/powerpoint/2010/main" xmlns="" val="1328577666"/>
+        <p14:creationId xmlns="" xmlns:p14="http://schemas.microsoft.com/office/powerpoint/2010/main" val="1328577666"/>
       </p:ext>
     </p:extLst>
   </p:cSld>
@@ -8459,7 +8459,7 @@
     </p:spTree>
     <p:extLst>
       <p:ext uri="{BB962C8B-B14F-4D97-AF65-F5344CB8AC3E}">
-        <p14:creationId xmlns:p14="http://schemas.microsoft.com/office/powerpoint/2010/main" xmlns="" val="1328577666"/>
+        <p14:creationId xmlns="" xmlns:p14="http://schemas.microsoft.com/office/powerpoint/2010/main" val="1328577666"/>
       </p:ext>
     </p:extLst>
   </p:cSld>
@@ -8879,7 +8879,7 @@
     </p:spTree>
     <p:extLst>
       <p:ext uri="{BB962C8B-B14F-4D97-AF65-F5344CB8AC3E}">
-        <p14:creationId xmlns:p14="http://schemas.microsoft.com/office/powerpoint/2010/main" xmlns="" val="1328577666"/>
+        <p14:creationId xmlns="" xmlns:p14="http://schemas.microsoft.com/office/powerpoint/2010/main" val="1328577666"/>
       </p:ext>
     </p:extLst>
   </p:cSld>
@@ -9499,7 +9499,7 @@
     </p:spTree>
     <p:extLst>
       <p:ext uri="{BB962C8B-B14F-4D97-AF65-F5344CB8AC3E}">
-        <p14:creationId xmlns:p14="http://schemas.microsoft.com/office/powerpoint/2010/main" xmlns="" val="1328577666"/>
+        <p14:creationId xmlns="" xmlns:p14="http://schemas.microsoft.com/office/powerpoint/2010/main" val="1328577666"/>
       </p:ext>
     </p:extLst>
   </p:cSld>
@@ -9969,7 +9969,7 @@
     </p:spTree>
     <p:extLst>
       <p:ext uri="{BB962C8B-B14F-4D97-AF65-F5344CB8AC3E}">
-        <p14:creationId xmlns:p14="http://schemas.microsoft.com/office/powerpoint/2010/main" xmlns="" val="1328577666"/>
+        <p14:creationId xmlns="" xmlns:p14="http://schemas.microsoft.com/office/powerpoint/2010/main" val="1328577666"/>
       </p:ext>
     </p:extLst>
   </p:cSld>
@@ -10374,7 +10374,7 @@
     </p:spTree>
     <p:extLst>
       <p:ext uri="{BB962C8B-B14F-4D97-AF65-F5344CB8AC3E}">
-        <p14:creationId xmlns:p14="http://schemas.microsoft.com/office/powerpoint/2010/main" xmlns="" val="1328577666"/>
+        <p14:creationId xmlns="" xmlns:p14="http://schemas.microsoft.com/office/powerpoint/2010/main" val="1328577666"/>
       </p:ext>
     </p:extLst>
   </p:cSld>
@@ -10798,7 +10798,7 @@
     </p:spTree>
     <p:extLst>
       <p:ext uri="{BB962C8B-B14F-4D97-AF65-F5344CB8AC3E}">
-        <p14:creationId xmlns:p14="http://schemas.microsoft.com/office/powerpoint/2010/main" xmlns="" val="1328577666"/>
+        <p14:creationId xmlns="" xmlns:p14="http://schemas.microsoft.com/office/powerpoint/2010/main" val="1328577666"/>
       </p:ext>
     </p:extLst>
   </p:cSld>
@@ -11490,7 +11490,7 @@
     </p:spTree>
     <p:extLst>
       <p:ext uri="{BB962C8B-B14F-4D97-AF65-F5344CB8AC3E}">
-        <p14:creationId xmlns:p14="http://schemas.microsoft.com/office/powerpoint/2010/main" xmlns="" val="1328577666"/>
+        <p14:creationId xmlns="" xmlns:p14="http://schemas.microsoft.com/office/powerpoint/2010/main" val="1328577666"/>
       </p:ext>
     </p:extLst>
   </p:cSld>
@@ -11797,7 +11797,7 @@
           <p:cNvPr id="11" name="Rectangle 10">
             <a:extLst>
               <a:ext uri="{FF2B5EF4-FFF2-40B4-BE49-F238E27FC236}">
-                <a16:creationId xmlns:a16="http://schemas.microsoft.com/office/drawing/2014/main" xmlns="" id="{9FF768E8-BBE3-40EB-A37D-9B0959D91801}"/>
+                <a16:creationId xmlns="" xmlns:a16="http://schemas.microsoft.com/office/drawing/2014/main" id="{9FF768E8-BBE3-40EB-A37D-9B0959D91801}"/>
               </a:ext>
             </a:extLst>
           </p:cNvPr>
@@ -11885,7 +11885,7 @@
           <p:cNvPr id="12" name="Rectangle 11">
             <a:extLst>
               <a:ext uri="{FF2B5EF4-FFF2-40B4-BE49-F238E27FC236}">
-                <a16:creationId xmlns:a16="http://schemas.microsoft.com/office/drawing/2014/main" xmlns="" id="{99D52BCD-7B97-4F70-B3B8-DF0FC1A2B214}"/>
+                <a16:creationId xmlns="" xmlns:a16="http://schemas.microsoft.com/office/drawing/2014/main" id="{99D52BCD-7B97-4F70-B3B8-DF0FC1A2B214}"/>
               </a:ext>
             </a:extLst>
           </p:cNvPr>
@@ -11991,7 +11991,7 @@
           <p:cNvPr id="13" name="Rectangle 12">
             <a:extLst>
               <a:ext uri="{FF2B5EF4-FFF2-40B4-BE49-F238E27FC236}">
-                <a16:creationId xmlns:a16="http://schemas.microsoft.com/office/drawing/2014/main" xmlns="" id="{78C3EAEA-1B41-42B3-A0F0-5F71902A89B0}"/>
+                <a16:creationId xmlns="" xmlns:a16="http://schemas.microsoft.com/office/drawing/2014/main" id="{78C3EAEA-1B41-42B3-A0F0-5F71902A89B0}"/>
               </a:ext>
             </a:extLst>
           </p:cNvPr>
@@ -12047,7 +12047,7 @@
           <p:cNvPr id="14" name="Rectangle 13">
             <a:extLst>
               <a:ext uri="{FF2B5EF4-FFF2-40B4-BE49-F238E27FC236}">
-                <a16:creationId xmlns:a16="http://schemas.microsoft.com/office/drawing/2014/main" xmlns="" id="{68E72856-8916-435F-B5F9-8FB8FF1B2EB6}"/>
+                <a16:creationId xmlns="" xmlns:a16="http://schemas.microsoft.com/office/drawing/2014/main" id="{68E72856-8916-435F-B5F9-8FB8FF1B2EB6}"/>
               </a:ext>
             </a:extLst>
           </p:cNvPr>
@@ -12166,7 +12166,7 @@
     </p:spTree>
     <p:extLst>
       <p:ext uri="{BB962C8B-B14F-4D97-AF65-F5344CB8AC3E}">
-        <p14:creationId xmlns:p14="http://schemas.microsoft.com/office/powerpoint/2010/main" xmlns="" val="102829261"/>
+        <p14:creationId xmlns="" xmlns:p14="http://schemas.microsoft.com/office/powerpoint/2010/main" val="102829261"/>
       </p:ext>
     </p:extLst>
   </p:cSld>
@@ -12486,7 +12486,7 @@
           <p:cNvPr id="8" name="Rectangle 7">
             <a:extLst>
               <a:ext uri="{FF2B5EF4-FFF2-40B4-BE49-F238E27FC236}">
-                <a16:creationId xmlns:a16="http://schemas.microsoft.com/office/drawing/2014/main" xmlns="" id="{C58389EB-F9EE-4AAD-9C40-A6BE145522A7}"/>
+                <a16:creationId xmlns="" xmlns:a16="http://schemas.microsoft.com/office/drawing/2014/main" id="{C58389EB-F9EE-4AAD-9C40-A6BE145522A7}"/>
               </a:ext>
             </a:extLst>
           </p:cNvPr>
@@ -12495,8 +12495,8 @@
         </p:nvSpPr>
         <p:spPr>
           <a:xfrm>
-            <a:off x="390138" y="2149459"/>
-            <a:ext cx="6003984" cy="491706"/>
+            <a:off x="390137" y="2149459"/>
+            <a:ext cx="6049851" cy="881124"/>
           </a:xfrm>
           <a:prstGeom prst="rect">
             <a:avLst/>
@@ -12576,7 +12576,7 @@
           <p:cNvPr id="13" name="Rectangle 12">
             <a:extLst>
               <a:ext uri="{FF2B5EF4-FFF2-40B4-BE49-F238E27FC236}">
-                <a16:creationId xmlns:a16="http://schemas.microsoft.com/office/drawing/2014/main" xmlns="" id="{ADD2AF4A-C441-4762-9EA2-81956AE35BB4}"/>
+                <a16:creationId xmlns="" xmlns:a16="http://schemas.microsoft.com/office/drawing/2014/main" id="{ADD2AF4A-C441-4762-9EA2-81956AE35BB4}"/>
               </a:ext>
             </a:extLst>
           </p:cNvPr>
@@ -12679,7 +12679,7 @@
           <p:cNvPr id="14" name="Rectangle 13">
             <a:extLst>
               <a:ext uri="{FF2B5EF4-FFF2-40B4-BE49-F238E27FC236}">
-                <a16:creationId xmlns:a16="http://schemas.microsoft.com/office/drawing/2014/main" xmlns="" id="{EEFA88E7-B2B2-40E2-BA20-69B0CF1933B8}"/>
+                <a16:creationId xmlns="" xmlns:a16="http://schemas.microsoft.com/office/drawing/2014/main" id="{EEFA88E7-B2B2-40E2-BA20-69B0CF1933B8}"/>
               </a:ext>
             </a:extLst>
           </p:cNvPr>
@@ -12688,8 +12688,8 @@
         </p:nvSpPr>
         <p:spPr>
           <a:xfrm>
-            <a:off x="398764" y="4123383"/>
-            <a:ext cx="7305797" cy="491706"/>
+            <a:off x="490204" y="4698149"/>
+            <a:ext cx="7308322" cy="1284640"/>
           </a:xfrm>
           <a:prstGeom prst="rect">
             <a:avLst/>
@@ -12799,7 +12799,7 @@
     </p:spTree>
     <p:extLst>
       <p:ext uri="{BB962C8B-B14F-4D97-AF65-F5344CB8AC3E}">
-        <p14:creationId xmlns:p14="http://schemas.microsoft.com/office/powerpoint/2010/main" xmlns="" val="1624030125"/>
+        <p14:creationId xmlns="" xmlns:p14="http://schemas.microsoft.com/office/powerpoint/2010/main" val="1624030125"/>
       </p:ext>
     </p:extLst>
   </p:cSld>
@@ -13615,7 +13615,7 @@
     </p:spTree>
     <p:extLst>
       <p:ext uri="{BB962C8B-B14F-4D97-AF65-F5344CB8AC3E}">
-        <p14:creationId xmlns:p14="http://schemas.microsoft.com/office/powerpoint/2010/main" xmlns="" val="1328577666"/>
+        <p14:creationId xmlns="" xmlns:p14="http://schemas.microsoft.com/office/powerpoint/2010/main" val="1328577666"/>
       </p:ext>
     </p:extLst>
   </p:cSld>
@@ -13885,7 +13885,7 @@
           <p:cNvPr id="11" name="Rectangle 10">
             <a:extLst>
               <a:ext uri="{FF2B5EF4-FFF2-40B4-BE49-F238E27FC236}">
-                <a16:creationId xmlns:a16="http://schemas.microsoft.com/office/drawing/2014/main" xmlns="" id="{E94BD0AF-1302-4D6B-BCED-41BA4AF14A9E}"/>
+                <a16:creationId xmlns="" xmlns:a16="http://schemas.microsoft.com/office/drawing/2014/main" id="{E94BD0AF-1302-4D6B-BCED-41BA4AF14A9E}"/>
               </a:ext>
             </a:extLst>
           </p:cNvPr>
@@ -14090,7 +14090,7 @@
     </p:spTree>
     <p:extLst>
       <p:ext uri="{BB962C8B-B14F-4D97-AF65-F5344CB8AC3E}">
-        <p14:creationId xmlns:p14="http://schemas.microsoft.com/office/powerpoint/2010/main" xmlns="" val="1733069611"/>
+        <p14:creationId xmlns="" xmlns:p14="http://schemas.microsoft.com/office/powerpoint/2010/main" val="1733069611"/>
       </p:ext>
     </p:extLst>
   </p:cSld>
@@ -14162,7 +14162,7 @@
           <p:cNvPr id="8" name="Rectangle 7">
             <a:extLst>
               <a:ext uri="{FF2B5EF4-FFF2-40B4-BE49-F238E27FC236}">
-                <a16:creationId xmlns:a16="http://schemas.microsoft.com/office/drawing/2014/main" xmlns="" id="{4F8C3F76-BED2-44DB-9DA9-CEA9A3229688}"/>
+                <a16:creationId xmlns="" xmlns:a16="http://schemas.microsoft.com/office/drawing/2014/main" id="{4F8C3F76-BED2-44DB-9DA9-CEA9A3229688}"/>
               </a:ext>
             </a:extLst>
           </p:cNvPr>
@@ -14218,7 +14218,7 @@
           <p:cNvPr id="10" name="Rectangle 9">
             <a:extLst>
               <a:ext uri="{FF2B5EF4-FFF2-40B4-BE49-F238E27FC236}">
-                <a16:creationId xmlns:a16="http://schemas.microsoft.com/office/drawing/2014/main" xmlns="" id="{296A98A4-1925-452C-8708-6B30CADF2F95}"/>
+                <a16:creationId xmlns="" xmlns:a16="http://schemas.microsoft.com/office/drawing/2014/main" id="{296A98A4-1925-452C-8708-6B30CADF2F95}"/>
               </a:ext>
             </a:extLst>
           </p:cNvPr>
@@ -14274,7 +14274,7 @@
           <p:cNvPr id="13" name="Rectangle 12">
             <a:extLst>
               <a:ext uri="{FF2B5EF4-FFF2-40B4-BE49-F238E27FC236}">
-                <a16:creationId xmlns:a16="http://schemas.microsoft.com/office/drawing/2014/main" xmlns="" id="{0EF87DBD-4132-4B30-830E-31765A8847DF}"/>
+                <a16:creationId xmlns="" xmlns:a16="http://schemas.microsoft.com/office/drawing/2014/main" id="{0EF87DBD-4132-4B30-830E-31765A8847DF}"/>
               </a:ext>
             </a:extLst>
           </p:cNvPr>
@@ -14330,7 +14330,7 @@
           <p:cNvPr id="12" name="Rectangle 11">
             <a:extLst>
               <a:ext uri="{FF2B5EF4-FFF2-40B4-BE49-F238E27FC236}">
-                <a16:creationId xmlns:a16="http://schemas.microsoft.com/office/drawing/2014/main" xmlns="" id="{7AC8A962-C89F-45F9-ACAE-4752630E8ED8}"/>
+                <a16:creationId xmlns="" xmlns:a16="http://schemas.microsoft.com/office/drawing/2014/main" id="{7AC8A962-C89F-45F9-ACAE-4752630E8ED8}"/>
               </a:ext>
             </a:extLst>
           </p:cNvPr>
@@ -14650,7 +14650,7 @@
           <p:cNvPr id="15" name="Rectangle 14">
             <a:extLst>
               <a:ext uri="{FF2B5EF4-FFF2-40B4-BE49-F238E27FC236}">
-                <a16:creationId xmlns:a16="http://schemas.microsoft.com/office/drawing/2014/main" xmlns="" id="{7AC8A962-C89F-45F9-ACAE-4752630E8ED8}"/>
+                <a16:creationId xmlns="" xmlns:a16="http://schemas.microsoft.com/office/drawing/2014/main" id="{7AC8A962-C89F-45F9-ACAE-4752630E8ED8}"/>
               </a:ext>
             </a:extLst>
           </p:cNvPr>
@@ -14817,7 +14817,7 @@
           <p:cNvPr id="16" name="Rectangle 15">
             <a:extLst>
               <a:ext uri="{FF2B5EF4-FFF2-40B4-BE49-F238E27FC236}">
-                <a16:creationId xmlns:a16="http://schemas.microsoft.com/office/drawing/2014/main" xmlns="" id="{7AC8A962-C89F-45F9-ACAE-4752630E8ED8}"/>
+                <a16:creationId xmlns="" xmlns:a16="http://schemas.microsoft.com/office/drawing/2014/main" id="{7AC8A962-C89F-45F9-ACAE-4752630E8ED8}"/>
               </a:ext>
             </a:extLst>
           </p:cNvPr>
@@ -14910,7 +14910,7 @@
     </p:spTree>
     <p:extLst>
       <p:ext uri="{BB962C8B-B14F-4D97-AF65-F5344CB8AC3E}">
-        <p14:creationId xmlns:p14="http://schemas.microsoft.com/office/powerpoint/2010/main" xmlns="" val="1733069611"/>
+        <p14:creationId xmlns="" xmlns:p14="http://schemas.microsoft.com/office/powerpoint/2010/main" val="1733069611"/>
       </p:ext>
     </p:extLst>
   </p:cSld>
@@ -15488,7 +15488,7 @@
     </p:spTree>
     <p:extLst>
       <p:ext uri="{BB962C8B-B14F-4D97-AF65-F5344CB8AC3E}">
-        <p14:creationId xmlns:p14="http://schemas.microsoft.com/office/powerpoint/2010/main" xmlns="" val="1328577666"/>
+        <p14:creationId xmlns="" xmlns:p14="http://schemas.microsoft.com/office/powerpoint/2010/main" val="1328577666"/>
       </p:ext>
     </p:extLst>
   </p:cSld>
@@ -15758,7 +15758,7 @@
           <p:cNvPr id="8" name="Rectangle 7">
             <a:extLst>
               <a:ext uri="{FF2B5EF4-FFF2-40B4-BE49-F238E27FC236}">
-                <a16:creationId xmlns:a16="http://schemas.microsoft.com/office/drawing/2014/main" xmlns="" id="{4F8C3F76-BED2-44DB-9DA9-CEA9A3229688}"/>
+                <a16:creationId xmlns="" xmlns:a16="http://schemas.microsoft.com/office/drawing/2014/main" id="{4F8C3F76-BED2-44DB-9DA9-CEA9A3229688}"/>
               </a:ext>
             </a:extLst>
           </p:cNvPr>
@@ -15822,7 +15822,7 @@
           <p:cNvPr id="10" name="Rectangle 9">
             <a:extLst>
               <a:ext uri="{FF2B5EF4-FFF2-40B4-BE49-F238E27FC236}">
-                <a16:creationId xmlns:a16="http://schemas.microsoft.com/office/drawing/2014/main" xmlns="" id="{296A98A4-1925-452C-8708-6B30CADF2F95}"/>
+                <a16:creationId xmlns="" xmlns:a16="http://schemas.microsoft.com/office/drawing/2014/main" id="{296A98A4-1925-452C-8708-6B30CADF2F95}"/>
               </a:ext>
             </a:extLst>
           </p:cNvPr>
@@ -15886,7 +15886,7 @@
           <p:cNvPr id="13" name="Rectangle 12">
             <a:extLst>
               <a:ext uri="{FF2B5EF4-FFF2-40B4-BE49-F238E27FC236}">
-                <a16:creationId xmlns:a16="http://schemas.microsoft.com/office/drawing/2014/main" xmlns="" id="{0EF87DBD-4132-4B30-830E-31765A8847DF}"/>
+                <a16:creationId xmlns="" xmlns:a16="http://schemas.microsoft.com/office/drawing/2014/main" id="{0EF87DBD-4132-4B30-830E-31765A8847DF}"/>
               </a:ext>
             </a:extLst>
           </p:cNvPr>
@@ -15950,7 +15950,7 @@
           <p:cNvPr id="14" name="Rectangle 13">
             <a:extLst>
               <a:ext uri="{FF2B5EF4-FFF2-40B4-BE49-F238E27FC236}">
-                <a16:creationId xmlns:a16="http://schemas.microsoft.com/office/drawing/2014/main" xmlns="" id="{0C6BBA37-FD58-4D6D-9EC5-A969DFB1C0B3}"/>
+                <a16:creationId xmlns="" xmlns:a16="http://schemas.microsoft.com/office/drawing/2014/main" id="{0C6BBA37-FD58-4D6D-9EC5-A969DFB1C0B3}"/>
               </a:ext>
             </a:extLst>
           </p:cNvPr>
@@ -16014,7 +16014,7 @@
     </p:spTree>
     <p:extLst>
       <p:ext uri="{BB962C8B-B14F-4D97-AF65-F5344CB8AC3E}">
-        <p14:creationId xmlns:p14="http://schemas.microsoft.com/office/powerpoint/2010/main" xmlns="" val="1341911798"/>
+        <p14:creationId xmlns="" xmlns:p14="http://schemas.microsoft.com/office/powerpoint/2010/main" val="1341911798"/>
       </p:ext>
     </p:extLst>
   </p:cSld>
@@ -16284,7 +16284,7 @@
           <p:cNvPr id="8" name="Rectangle 7">
             <a:extLst>
               <a:ext uri="{FF2B5EF4-FFF2-40B4-BE49-F238E27FC236}">
-                <a16:creationId xmlns:a16="http://schemas.microsoft.com/office/drawing/2014/main" xmlns="" id="{4F8C3F76-BED2-44DB-9DA9-CEA9A3229688}"/>
+                <a16:creationId xmlns="" xmlns:a16="http://schemas.microsoft.com/office/drawing/2014/main" id="{4F8C3F76-BED2-44DB-9DA9-CEA9A3229688}"/>
               </a:ext>
             </a:extLst>
           </p:cNvPr>
@@ -16348,7 +16348,7 @@
           <p:cNvPr id="10" name="Rectangle 9">
             <a:extLst>
               <a:ext uri="{FF2B5EF4-FFF2-40B4-BE49-F238E27FC236}">
-                <a16:creationId xmlns:a16="http://schemas.microsoft.com/office/drawing/2014/main" xmlns="" id="{296A98A4-1925-452C-8708-6B30CADF2F95}"/>
+                <a16:creationId xmlns="" xmlns:a16="http://schemas.microsoft.com/office/drawing/2014/main" id="{296A98A4-1925-452C-8708-6B30CADF2F95}"/>
               </a:ext>
             </a:extLst>
           </p:cNvPr>
@@ -16431,7 +16431,7 @@
           <p:cNvPr id="13" name="Rectangle 12">
             <a:extLst>
               <a:ext uri="{FF2B5EF4-FFF2-40B4-BE49-F238E27FC236}">
-                <a16:creationId xmlns:a16="http://schemas.microsoft.com/office/drawing/2014/main" xmlns="" id="{0EF87DBD-4132-4B30-830E-31765A8847DF}"/>
+                <a16:creationId xmlns="" xmlns:a16="http://schemas.microsoft.com/office/drawing/2014/main" id="{0EF87DBD-4132-4B30-830E-31765A8847DF}"/>
               </a:ext>
             </a:extLst>
           </p:cNvPr>
@@ -16495,7 +16495,7 @@
           <p:cNvPr id="14" name="Rectangle 13">
             <a:extLst>
               <a:ext uri="{FF2B5EF4-FFF2-40B4-BE49-F238E27FC236}">
-                <a16:creationId xmlns:a16="http://schemas.microsoft.com/office/drawing/2014/main" xmlns="" id="{0C6BBA37-FD58-4D6D-9EC5-A969DFB1C0B3}"/>
+                <a16:creationId xmlns="" xmlns:a16="http://schemas.microsoft.com/office/drawing/2014/main" id="{0C6BBA37-FD58-4D6D-9EC5-A969DFB1C0B3}"/>
               </a:ext>
             </a:extLst>
           </p:cNvPr>
@@ -16557,7 +16557,7 @@
     </p:spTree>
     <p:extLst>
       <p:ext uri="{BB962C8B-B14F-4D97-AF65-F5344CB8AC3E}">
-        <p14:creationId xmlns:p14="http://schemas.microsoft.com/office/powerpoint/2010/main" xmlns="" val="846790457"/>
+        <p14:creationId xmlns="" xmlns:p14="http://schemas.microsoft.com/office/powerpoint/2010/main" val="846790457"/>
       </p:ext>
     </p:extLst>
   </p:cSld>
@@ -16827,7 +16827,7 @@
           <p:cNvPr id="8" name="Rectangle 7">
             <a:extLst>
               <a:ext uri="{FF2B5EF4-FFF2-40B4-BE49-F238E27FC236}">
-                <a16:creationId xmlns:a16="http://schemas.microsoft.com/office/drawing/2014/main" xmlns="" id="{4F8C3F76-BED2-44DB-9DA9-CEA9A3229688}"/>
+                <a16:creationId xmlns="" xmlns:a16="http://schemas.microsoft.com/office/drawing/2014/main" id="{4F8C3F76-BED2-44DB-9DA9-CEA9A3229688}"/>
               </a:ext>
             </a:extLst>
           </p:cNvPr>
@@ -16923,7 +16923,7 @@
           <p:cNvPr id="13" name="Rectangle 12">
             <a:extLst>
               <a:ext uri="{FF2B5EF4-FFF2-40B4-BE49-F238E27FC236}">
-                <a16:creationId xmlns:a16="http://schemas.microsoft.com/office/drawing/2014/main" xmlns="" id="{0EF87DBD-4132-4B30-830E-31765A8847DF}"/>
+                <a16:creationId xmlns="" xmlns:a16="http://schemas.microsoft.com/office/drawing/2014/main" id="{0EF87DBD-4132-4B30-830E-31765A8847DF}"/>
               </a:ext>
             </a:extLst>
           </p:cNvPr>
@@ -17033,7 +17033,7 @@
     </p:spTree>
     <p:extLst>
       <p:ext uri="{BB962C8B-B14F-4D97-AF65-F5344CB8AC3E}">
-        <p14:creationId xmlns:p14="http://schemas.microsoft.com/office/powerpoint/2010/main" xmlns="" val="50256847"/>
+        <p14:creationId xmlns="" xmlns:p14="http://schemas.microsoft.com/office/powerpoint/2010/main" val="50256847"/>
       </p:ext>
     </p:extLst>
   </p:cSld>
@@ -17303,7 +17303,7 @@
           <p:cNvPr id="13" name="Rectangle 12">
             <a:extLst>
               <a:ext uri="{FF2B5EF4-FFF2-40B4-BE49-F238E27FC236}">
-                <a16:creationId xmlns:a16="http://schemas.microsoft.com/office/drawing/2014/main" xmlns="" id="{0EF87DBD-4132-4B30-830E-31765A8847DF}"/>
+                <a16:creationId xmlns="" xmlns:a16="http://schemas.microsoft.com/office/drawing/2014/main" id="{0EF87DBD-4132-4B30-830E-31765A8847DF}"/>
               </a:ext>
             </a:extLst>
           </p:cNvPr>
@@ -17415,7 +17415,7 @@
           <p:cNvPr id="7" name="Rectangle 6">
             <a:extLst>
               <a:ext uri="{FF2B5EF4-FFF2-40B4-BE49-F238E27FC236}">
-                <a16:creationId xmlns:a16="http://schemas.microsoft.com/office/drawing/2014/main" xmlns="" id="{7191A580-37BD-4822-AD3D-1F34E4FD1847}"/>
+                <a16:creationId xmlns="" xmlns:a16="http://schemas.microsoft.com/office/drawing/2014/main" id="{7191A580-37BD-4822-AD3D-1F34E4FD1847}"/>
               </a:ext>
             </a:extLst>
           </p:cNvPr>
@@ -17525,7 +17525,7 @@
     </p:spTree>
     <p:extLst>
       <p:ext uri="{BB962C8B-B14F-4D97-AF65-F5344CB8AC3E}">
-        <p14:creationId xmlns:p14="http://schemas.microsoft.com/office/powerpoint/2010/main" xmlns="" val="927319703"/>
+        <p14:creationId xmlns="" xmlns:p14="http://schemas.microsoft.com/office/powerpoint/2010/main" val="927319703"/>
       </p:ext>
     </p:extLst>
   </p:cSld>
@@ -17795,7 +17795,7 @@
           <p:cNvPr id="13" name="Rectangle 12">
             <a:extLst>
               <a:ext uri="{FF2B5EF4-FFF2-40B4-BE49-F238E27FC236}">
-                <a16:creationId xmlns:a16="http://schemas.microsoft.com/office/drawing/2014/main" xmlns="" id="{0EF87DBD-4132-4B30-830E-31765A8847DF}"/>
+                <a16:creationId xmlns="" xmlns:a16="http://schemas.microsoft.com/office/drawing/2014/main" id="{0EF87DBD-4132-4B30-830E-31765A8847DF}"/>
               </a:ext>
             </a:extLst>
           </p:cNvPr>
@@ -17890,7 +17890,7 @@
           <p:cNvPr id="7" name="Rectangle 6">
             <a:extLst>
               <a:ext uri="{FF2B5EF4-FFF2-40B4-BE49-F238E27FC236}">
-                <a16:creationId xmlns:a16="http://schemas.microsoft.com/office/drawing/2014/main" xmlns="" id="{7191A580-37BD-4822-AD3D-1F34E4FD1847}"/>
+                <a16:creationId xmlns="" xmlns:a16="http://schemas.microsoft.com/office/drawing/2014/main" id="{7191A580-37BD-4822-AD3D-1F34E4FD1847}"/>
               </a:ext>
             </a:extLst>
           </p:cNvPr>
@@ -17980,7 +17980,7 @@
     </p:spTree>
     <p:extLst>
       <p:ext uri="{BB962C8B-B14F-4D97-AF65-F5344CB8AC3E}">
-        <p14:creationId xmlns:p14="http://schemas.microsoft.com/office/powerpoint/2010/main" xmlns="" val="2294159569"/>
+        <p14:creationId xmlns="" xmlns:p14="http://schemas.microsoft.com/office/powerpoint/2010/main" val="2294159569"/>
       </p:ext>
     </p:extLst>
   </p:cSld>
@@ -18250,7 +18250,7 @@
           <p:cNvPr id="13" name="Rectangle 12">
             <a:extLst>
               <a:ext uri="{FF2B5EF4-FFF2-40B4-BE49-F238E27FC236}">
-                <a16:creationId xmlns:a16="http://schemas.microsoft.com/office/drawing/2014/main" xmlns="" id="{0EF87DBD-4132-4B30-830E-31765A8847DF}"/>
+                <a16:creationId xmlns="" xmlns:a16="http://schemas.microsoft.com/office/drawing/2014/main" id="{0EF87DBD-4132-4B30-830E-31765A8847DF}"/>
               </a:ext>
             </a:extLst>
           </p:cNvPr>
@@ -18402,7 +18402,7 @@
           <p:cNvPr id="10" name="Rectangle 9">
             <a:extLst>
               <a:ext uri="{FF2B5EF4-FFF2-40B4-BE49-F238E27FC236}">
-                <a16:creationId xmlns:a16="http://schemas.microsoft.com/office/drawing/2014/main" xmlns="" id="{9C2EF481-3F64-415C-9D15-F1EBFD38C6BD}"/>
+                <a16:creationId xmlns="" xmlns:a16="http://schemas.microsoft.com/office/drawing/2014/main" id="{9C2EF481-3F64-415C-9D15-F1EBFD38C6BD}"/>
               </a:ext>
             </a:extLst>
           </p:cNvPr>
@@ -18511,7 +18511,7 @@
           <p:cNvPr id="12" name="Rectangle 11">
             <a:extLst>
               <a:ext uri="{FF2B5EF4-FFF2-40B4-BE49-F238E27FC236}">
-                <a16:creationId xmlns:a16="http://schemas.microsoft.com/office/drawing/2014/main" xmlns="" id="{206016ED-72BE-418C-807D-52DC06FF490C}"/>
+                <a16:creationId xmlns="" xmlns:a16="http://schemas.microsoft.com/office/drawing/2014/main" id="{206016ED-72BE-418C-807D-52DC06FF490C}"/>
               </a:ext>
             </a:extLst>
           </p:cNvPr>
@@ -18662,7 +18662,7 @@
     </p:spTree>
     <p:extLst>
       <p:ext uri="{BB962C8B-B14F-4D97-AF65-F5344CB8AC3E}">
-        <p14:creationId xmlns:p14="http://schemas.microsoft.com/office/powerpoint/2010/main" xmlns="" val="3121944174"/>
+        <p14:creationId xmlns="" xmlns:p14="http://schemas.microsoft.com/office/powerpoint/2010/main" val="3121944174"/>
       </p:ext>
     </p:extLst>
   </p:cSld>
@@ -18932,7 +18932,7 @@
           <p:cNvPr id="13" name="Rectangle 12">
             <a:extLst>
               <a:ext uri="{FF2B5EF4-FFF2-40B4-BE49-F238E27FC236}">
-                <a16:creationId xmlns:a16="http://schemas.microsoft.com/office/drawing/2014/main" xmlns="" id="{0EF87DBD-4132-4B30-830E-31765A8847DF}"/>
+                <a16:creationId xmlns="" xmlns:a16="http://schemas.microsoft.com/office/drawing/2014/main" id="{0EF87DBD-4132-4B30-830E-31765A8847DF}"/>
               </a:ext>
             </a:extLst>
           </p:cNvPr>
@@ -19480,7 +19480,7 @@
     </p:spTree>
     <p:extLst>
       <p:ext uri="{BB962C8B-B14F-4D97-AF65-F5344CB8AC3E}">
-        <p14:creationId xmlns:p14="http://schemas.microsoft.com/office/powerpoint/2010/main" xmlns="" val="826996648"/>
+        <p14:creationId xmlns="" xmlns:p14="http://schemas.microsoft.com/office/powerpoint/2010/main" val="826996648"/>
       </p:ext>
     </p:extLst>
   </p:cSld>
@@ -19750,7 +19750,7 @@
           <p:cNvPr id="13" name="Rectangle 12">
             <a:extLst>
               <a:ext uri="{FF2B5EF4-FFF2-40B4-BE49-F238E27FC236}">
-                <a16:creationId xmlns:a16="http://schemas.microsoft.com/office/drawing/2014/main" xmlns="" id="{0EF87DBD-4132-4B30-830E-31765A8847DF}"/>
+                <a16:creationId xmlns="" xmlns:a16="http://schemas.microsoft.com/office/drawing/2014/main" id="{0EF87DBD-4132-4B30-830E-31765A8847DF}"/>
               </a:ext>
             </a:extLst>
           </p:cNvPr>
@@ -19847,7 +19847,7 @@
           <p:cNvPr id="10" name="Rectangle 9">
             <a:extLst>
               <a:ext uri="{FF2B5EF4-FFF2-40B4-BE49-F238E27FC236}">
-                <a16:creationId xmlns:a16="http://schemas.microsoft.com/office/drawing/2014/main" xmlns="" id="{9C2EF481-3F64-415C-9D15-F1EBFD38C6BD}"/>
+                <a16:creationId xmlns="" xmlns:a16="http://schemas.microsoft.com/office/drawing/2014/main" id="{9C2EF481-3F64-415C-9D15-F1EBFD38C6BD}"/>
               </a:ext>
             </a:extLst>
           </p:cNvPr>
@@ -19933,7 +19933,7 @@
           <p:cNvPr id="11" name="Rectangle 10">
             <a:extLst>
               <a:ext uri="{FF2B5EF4-FFF2-40B4-BE49-F238E27FC236}">
-                <a16:creationId xmlns:a16="http://schemas.microsoft.com/office/drawing/2014/main" xmlns="" id="{93A52C19-1BED-4CD6-9A04-B1BA74A24D90}"/>
+                <a16:creationId xmlns="" xmlns:a16="http://schemas.microsoft.com/office/drawing/2014/main" id="{93A52C19-1BED-4CD6-9A04-B1BA74A24D90}"/>
               </a:ext>
             </a:extLst>
           </p:cNvPr>
@@ -20040,7 +20040,7 @@
     </p:spTree>
     <p:extLst>
       <p:ext uri="{BB962C8B-B14F-4D97-AF65-F5344CB8AC3E}">
-        <p14:creationId xmlns:p14="http://schemas.microsoft.com/office/powerpoint/2010/main" xmlns="" val="826996648"/>
+        <p14:creationId xmlns="" xmlns:p14="http://schemas.microsoft.com/office/powerpoint/2010/main" val="826996648"/>
       </p:ext>
     </p:extLst>
   </p:cSld>
@@ -20310,7 +20310,7 @@
           <p:cNvPr id="13" name="Rectangle 12">
             <a:extLst>
               <a:ext uri="{FF2B5EF4-FFF2-40B4-BE49-F238E27FC236}">
-                <a16:creationId xmlns:a16="http://schemas.microsoft.com/office/drawing/2014/main" xmlns="" id="{0EF87DBD-4132-4B30-830E-31765A8847DF}"/>
+                <a16:creationId xmlns="" xmlns:a16="http://schemas.microsoft.com/office/drawing/2014/main" id="{0EF87DBD-4132-4B30-830E-31765A8847DF}"/>
               </a:ext>
             </a:extLst>
           </p:cNvPr>
@@ -20433,7 +20433,7 @@
           <p:cNvPr id="10" name="Rectangle 9">
             <a:extLst>
               <a:ext uri="{FF2B5EF4-FFF2-40B4-BE49-F238E27FC236}">
-                <a16:creationId xmlns:a16="http://schemas.microsoft.com/office/drawing/2014/main" xmlns="" id="{9C2EF481-3F64-415C-9D15-F1EBFD38C6BD}"/>
+                <a16:creationId xmlns="" xmlns:a16="http://schemas.microsoft.com/office/drawing/2014/main" id="{9C2EF481-3F64-415C-9D15-F1EBFD38C6BD}"/>
               </a:ext>
             </a:extLst>
           </p:cNvPr>
@@ -20546,7 +20546,7 @@
           <p:cNvPr id="12" name="Rectangle 11">
             <a:extLst>
               <a:ext uri="{FF2B5EF4-FFF2-40B4-BE49-F238E27FC236}">
-                <a16:creationId xmlns:a16="http://schemas.microsoft.com/office/drawing/2014/main" xmlns="" id="{050D9A10-A6E9-4ABC-8893-0EE4BA871178}"/>
+                <a16:creationId xmlns="" xmlns:a16="http://schemas.microsoft.com/office/drawing/2014/main" id="{050D9A10-A6E9-4ABC-8893-0EE4BA871178}"/>
               </a:ext>
             </a:extLst>
           </p:cNvPr>
@@ -20678,7 +20678,7 @@
           <p:cNvPr id="14" name="Rectangle 13">
             <a:extLst>
               <a:ext uri="{FF2B5EF4-FFF2-40B4-BE49-F238E27FC236}">
-                <a16:creationId xmlns:a16="http://schemas.microsoft.com/office/drawing/2014/main" xmlns="" id="{206016ED-72BE-418C-807D-52DC06FF490C}"/>
+                <a16:creationId xmlns="" xmlns:a16="http://schemas.microsoft.com/office/drawing/2014/main" id="{206016ED-72BE-418C-807D-52DC06FF490C}"/>
               </a:ext>
             </a:extLst>
           </p:cNvPr>
@@ -20831,7 +20831,7 @@
     </p:spTree>
     <p:extLst>
       <p:ext uri="{BB962C8B-B14F-4D97-AF65-F5344CB8AC3E}">
-        <p14:creationId xmlns:p14="http://schemas.microsoft.com/office/powerpoint/2010/main" xmlns="" val="224112593"/>
+        <p14:creationId xmlns="" xmlns:p14="http://schemas.microsoft.com/office/powerpoint/2010/main" val="224112593"/>
       </p:ext>
     </p:extLst>
   </p:cSld>
@@ -21174,7 +21174,7 @@
           <p:cNvPr id="15" name="Rectangle 14">
             <a:extLst>
               <a:ext uri="{FF2B5EF4-FFF2-40B4-BE49-F238E27FC236}">
-                <a16:creationId xmlns:a16="http://schemas.microsoft.com/office/drawing/2014/main" xmlns="" id="{CC1A9228-B916-4CC6-AD5D-572665D5B51C}"/>
+                <a16:creationId xmlns="" xmlns:a16="http://schemas.microsoft.com/office/drawing/2014/main" id="{CC1A9228-B916-4CC6-AD5D-572665D5B51C}"/>
               </a:ext>
             </a:extLst>
           </p:cNvPr>
@@ -21217,7 +21217,7 @@
           <p:cNvPr id="16" name="Rectangle 15">
             <a:extLst>
               <a:ext uri="{FF2B5EF4-FFF2-40B4-BE49-F238E27FC236}">
-                <a16:creationId xmlns:a16="http://schemas.microsoft.com/office/drawing/2014/main" xmlns="" id="{ED63E78A-C02A-4EC2-872A-159B2E0E7D1E}"/>
+                <a16:creationId xmlns="" xmlns:a16="http://schemas.microsoft.com/office/drawing/2014/main" id="{ED63E78A-C02A-4EC2-872A-159B2E0E7D1E}"/>
               </a:ext>
             </a:extLst>
           </p:cNvPr>
@@ -21290,7 +21290,7 @@
           <p:cNvPr id="17" name="Rectangle 16">
             <a:extLst>
               <a:ext uri="{FF2B5EF4-FFF2-40B4-BE49-F238E27FC236}">
-                <a16:creationId xmlns:a16="http://schemas.microsoft.com/office/drawing/2014/main" xmlns="" id="{E53772E0-9BD7-4627-A090-95C3CB7FC246}"/>
+                <a16:creationId xmlns="" xmlns:a16="http://schemas.microsoft.com/office/drawing/2014/main" id="{E53772E0-9BD7-4627-A090-95C3CB7FC246}"/>
               </a:ext>
             </a:extLst>
           </p:cNvPr>
@@ -21365,7 +21365,7 @@
     </p:spTree>
     <p:extLst>
       <p:ext uri="{BB962C8B-B14F-4D97-AF65-F5344CB8AC3E}">
-        <p14:creationId xmlns:p14="http://schemas.microsoft.com/office/powerpoint/2010/main" xmlns="" val="484489777"/>
+        <p14:creationId xmlns="" xmlns:p14="http://schemas.microsoft.com/office/powerpoint/2010/main" val="484489777"/>
       </p:ext>
     </p:extLst>
   </p:cSld>
@@ -21813,7 +21813,7 @@
     </p:spTree>
     <p:extLst>
       <p:ext uri="{BB962C8B-B14F-4D97-AF65-F5344CB8AC3E}">
-        <p14:creationId xmlns:p14="http://schemas.microsoft.com/office/powerpoint/2010/main" xmlns="" val="1328577666"/>
+        <p14:creationId xmlns="" xmlns:p14="http://schemas.microsoft.com/office/powerpoint/2010/main" val="1328577666"/>
       </p:ext>
     </p:extLst>
   </p:cSld>
@@ -22083,7 +22083,7 @@
           <p:cNvPr id="11" name="Rectangle 10">
             <a:extLst>
               <a:ext uri="{FF2B5EF4-FFF2-40B4-BE49-F238E27FC236}">
-                <a16:creationId xmlns:a16="http://schemas.microsoft.com/office/drawing/2014/main" xmlns="" id="{E94BD0AF-1302-4D6B-BCED-41BA4AF14A9E}"/>
+                <a16:creationId xmlns="" xmlns:a16="http://schemas.microsoft.com/office/drawing/2014/main" id="{E94BD0AF-1302-4D6B-BCED-41BA4AF14A9E}"/>
               </a:ext>
             </a:extLst>
           </p:cNvPr>
@@ -22207,7 +22207,7 @@
           <p:cNvPr id="12" name="Rectangle 11">
             <a:extLst>
               <a:ext uri="{FF2B5EF4-FFF2-40B4-BE49-F238E27FC236}">
-                <a16:creationId xmlns:a16="http://schemas.microsoft.com/office/drawing/2014/main" xmlns="" id="{EDAFE943-3F24-471E-9925-3E5E2851B75D}"/>
+                <a16:creationId xmlns="" xmlns:a16="http://schemas.microsoft.com/office/drawing/2014/main" id="{EDAFE943-3F24-471E-9925-3E5E2851B75D}"/>
               </a:ext>
             </a:extLst>
           </p:cNvPr>
@@ -22295,7 +22295,7 @@
     </p:spTree>
     <p:extLst>
       <p:ext uri="{BB962C8B-B14F-4D97-AF65-F5344CB8AC3E}">
-        <p14:creationId xmlns:p14="http://schemas.microsoft.com/office/powerpoint/2010/main" xmlns="" val="2848728424"/>
+        <p14:creationId xmlns="" xmlns:p14="http://schemas.microsoft.com/office/powerpoint/2010/main" val="2848728424"/>
       </p:ext>
     </p:extLst>
   </p:cSld>
@@ -22565,7 +22565,7 @@
           <p:cNvPr id="8" name="Rectangle 7">
             <a:extLst>
               <a:ext uri="{FF2B5EF4-FFF2-40B4-BE49-F238E27FC236}">
-                <a16:creationId xmlns:a16="http://schemas.microsoft.com/office/drawing/2014/main" xmlns="" id="{4F8C3F76-BED2-44DB-9DA9-CEA9A3229688}"/>
+                <a16:creationId xmlns="" xmlns:a16="http://schemas.microsoft.com/office/drawing/2014/main" id="{4F8C3F76-BED2-44DB-9DA9-CEA9A3229688}"/>
               </a:ext>
             </a:extLst>
           </p:cNvPr>
@@ -22674,7 +22674,7 @@
           <p:cNvPr id="10" name="Rectangle 9">
             <a:extLst>
               <a:ext uri="{FF2B5EF4-FFF2-40B4-BE49-F238E27FC236}">
-                <a16:creationId xmlns:a16="http://schemas.microsoft.com/office/drawing/2014/main" xmlns="" id="{296A98A4-1925-452C-8708-6B30CADF2F95}"/>
+                <a16:creationId xmlns="" xmlns:a16="http://schemas.microsoft.com/office/drawing/2014/main" id="{296A98A4-1925-452C-8708-6B30CADF2F95}"/>
               </a:ext>
             </a:extLst>
           </p:cNvPr>
@@ -22728,7 +22728,7 @@
     </p:spTree>
     <p:extLst>
       <p:ext uri="{BB962C8B-B14F-4D97-AF65-F5344CB8AC3E}">
-        <p14:creationId xmlns:p14="http://schemas.microsoft.com/office/powerpoint/2010/main" xmlns="" val="2750004541"/>
+        <p14:creationId xmlns="" xmlns:p14="http://schemas.microsoft.com/office/powerpoint/2010/main" val="2750004541"/>
       </p:ext>
     </p:extLst>
   </p:cSld>
@@ -23158,7 +23158,7 @@
     </p:spTree>
     <p:extLst>
       <p:ext uri="{BB962C8B-B14F-4D97-AF65-F5344CB8AC3E}">
-        <p14:creationId xmlns:p14="http://schemas.microsoft.com/office/powerpoint/2010/main" xmlns="" val="1328577666"/>
+        <p14:creationId xmlns="" xmlns:p14="http://schemas.microsoft.com/office/powerpoint/2010/main" val="1328577666"/>
       </p:ext>
     </p:extLst>
   </p:cSld>
@@ -23818,7 +23818,7 @@
     </p:spTree>
     <p:extLst>
       <p:ext uri="{BB962C8B-B14F-4D97-AF65-F5344CB8AC3E}">
-        <p14:creationId xmlns:p14="http://schemas.microsoft.com/office/powerpoint/2010/main" xmlns="" val="1328577666"/>
+        <p14:creationId xmlns="" xmlns:p14="http://schemas.microsoft.com/office/powerpoint/2010/main" val="1328577666"/>
       </p:ext>
     </p:extLst>
   </p:cSld>
